--- a/cotizaciones/cotización_T.pptx
+++ b/cotizaciones/cotización_T.pptx
@@ -3058,33 +3058,9 @@
               <a:defRPr sz="1400" b="0"/>
             </a:pPr>
             <a:r>
-              <a:t>15 septiembre de 2021</a:t>
-            </a:r>
-          </a:p>
-        </p:txBody>
-      </p:sp>
-      <p:sp>
-        <p:nvSpPr>
-          <p:cNvPr id="5" name="TextBox 4"/>
-          <p:cNvSpPr txBox="1"/>
-          <p:nvPr/>
-        </p:nvSpPr>
-        <p:spPr>
-          <a:xfrm>
-            <a:off x="4320000" y="-180000"/>
-            <a:ext cx="2376000" cy="2160000"/>
-          </a:xfrm>
-          <a:prstGeom prst="rect">
-            <a:avLst/>
-          </a:prstGeom>
-          <a:noFill/>
-        </p:spPr>
-        <p:txBody>
-          <a:bodyPr wrap="none">
-            <a:spAutoFit/>
-          </a:bodyPr>
-          <a:lstStyle/>
-          <a:p/>
+              <a:t>16 septiembre de 2021</a:t>
+            </a:r>
+          </a:p>
           <a:p>
             <a:pPr>
               <a:spcBef>
@@ -3093,33 +3069,9 @@
               <a:defRPr sz="1400" b="0"/>
             </a:pPr>
             <a:r>
-              <a:t>Cot N°323</a:t>
-            </a:r>
-          </a:p>
-        </p:txBody>
-      </p:sp>
-      <p:sp>
-        <p:nvSpPr>
-          <p:cNvPr id="6" name="TextBox 5"/>
-          <p:cNvSpPr txBox="1"/>
-          <p:nvPr/>
-        </p:nvSpPr>
-        <p:spPr>
-          <a:xfrm>
-            <a:off x="4320000" y="-180000"/>
-            <a:ext cx="2376000" cy="2160000"/>
-          </a:xfrm>
-          <a:prstGeom prst="rect">
-            <a:avLst/>
-          </a:prstGeom>
-          <a:noFill/>
-        </p:spPr>
-        <p:txBody>
-          <a:bodyPr wrap="none">
-            <a:spAutoFit/>
-          </a:bodyPr>
-          <a:lstStyle/>
-          <a:p/>
+              <a:t>Cot N°335</a:t>
+            </a:r>
+          </a:p>
           <a:p>
             <a:pPr>
               <a:spcBef>
@@ -3128,30 +3080,6 @@
               <a:defRPr sz="1100" b="0"/>
             </a:pPr>
           </a:p>
-        </p:txBody>
-      </p:sp>
-      <p:sp>
-        <p:nvSpPr>
-          <p:cNvPr id="7" name="TextBox 6"/>
-          <p:cNvSpPr txBox="1"/>
-          <p:nvPr/>
-        </p:nvSpPr>
-        <p:spPr>
-          <a:xfrm>
-            <a:off x="4320000" y="-180000"/>
-            <a:ext cx="2376000" cy="2160000"/>
-          </a:xfrm>
-          <a:prstGeom prst="rect">
-            <a:avLst/>
-          </a:prstGeom>
-          <a:noFill/>
-        </p:spPr>
-        <p:txBody>
-          <a:bodyPr wrap="none">
-            <a:spAutoFit/>
-          </a:bodyPr>
-          <a:lstStyle/>
-          <a:p/>
           <a:p>
             <a:pPr>
               <a:spcBef>
@@ -3163,30 +3091,6 @@
               <a:t>Asesor Comercial</a:t>
             </a:r>
           </a:p>
-        </p:txBody>
-      </p:sp>
-      <p:sp>
-        <p:nvSpPr>
-          <p:cNvPr id="8" name="TextBox 7"/>
-          <p:cNvSpPr txBox="1"/>
-          <p:nvPr/>
-        </p:nvSpPr>
-        <p:spPr>
-          <a:xfrm>
-            <a:off x="4320000" y="-180000"/>
-            <a:ext cx="2376000" cy="2160000"/>
-          </a:xfrm>
-          <a:prstGeom prst="rect">
-            <a:avLst/>
-          </a:prstGeom>
-          <a:noFill/>
-        </p:spPr>
-        <p:txBody>
-          <a:bodyPr wrap="none">
-            <a:spAutoFit/>
-          </a:bodyPr>
-          <a:lstStyle/>
-          <a:p/>
           <a:p>
             <a:pPr>
               <a:spcBef>
@@ -3211,7 +3115,7 @@
       </p:sp>
       <p:sp>
         <p:nvSpPr>
-          <p:cNvPr id="9" name="TextBox 8"/>
+          <p:cNvPr id="5" name="TextBox 4"/>
           <p:cNvSpPr txBox="1"/>
           <p:nvPr/>
         </p:nvSpPr>
@@ -3242,30 +3146,6 @@
               <a:t>Señor(a) T.</a:t>
             </a:r>
           </a:p>
-        </p:txBody>
-      </p:sp>
-      <p:sp>
-        <p:nvSpPr>
-          <p:cNvPr id="10" name="TextBox 9"/>
-          <p:cNvSpPr txBox="1"/>
-          <p:nvPr/>
-        </p:nvSpPr>
-        <p:spPr>
-          <a:xfrm>
-            <a:off x="360000" y="900000"/>
-            <a:ext cx="2304000" cy="720000"/>
-          </a:xfrm>
-          <a:prstGeom prst="rect">
-            <a:avLst/>
-          </a:prstGeom>
-          <a:noFill/>
-        </p:spPr>
-        <p:txBody>
-          <a:bodyPr wrap="none">
-            <a:spAutoFit/>
-          </a:bodyPr>
-          <a:lstStyle/>
-          <a:p/>
           <a:p>
             <a:pPr>
               <a:spcBef>
@@ -3281,7 +3161,7 @@
       </p:sp>
       <p:graphicFrame>
         <p:nvGraphicFramePr>
-          <p:cNvPr id="11" name="Table 10"/>
+          <p:cNvPr id="6" name="Table 5"/>
           <p:cNvGraphicFramePr>
             <a:graphicFrameLocks noGrp="1"/>
           </p:cNvGraphicFramePr>
@@ -3385,7 +3265,7 @@
       </p:graphicFrame>
       <p:sp>
         <p:nvSpPr>
-          <p:cNvPr id="12" name="TextBox 11"/>
+          <p:cNvPr id="7" name="TextBox 6"/>
           <p:cNvSpPr txBox="1"/>
           <p:nvPr/>
         </p:nvSpPr>
@@ -3410,17 +3290,17 @@
               <a:spcBef>
                 <a:spcPts val="0"/>
               </a:spcBef>
-              <a:defRPr sz="1100" b="1"/>
+              <a:defRPr sz="1200" b="1"/>
             </a:pPr>
             <a:r>
-              <a:t>1.GO0020 Gorra Hanna</a:t>
-            </a:r>
-          </a:p>
-        </p:txBody>
-      </p:sp>
-      <p:sp>
-        <p:nvSpPr>
-          <p:cNvPr id="13" name="TextBox 12"/>
+              <a:t>1.AGENDA DIARIA TERRA 2022 AZUL REY AGTC 022 AR</a:t>
+            </a:r>
+          </a:p>
+        </p:txBody>
+      </p:sp>
+      <p:sp>
+        <p:nvSpPr>
+          <p:cNvPr id="8" name="TextBox 7"/>
           <p:cNvSpPr txBox="1"/>
           <p:nvPr/>
         </p:nvSpPr>
@@ -3435,7 +3315,7 @@
           <a:noFill/>
         </p:spPr>
         <p:txBody>
-          <a:bodyPr wrap="none">
+          <a:bodyPr wrap="square">
             <a:spAutoFit/>
           </a:bodyPr>
           <a:lstStyle/>
@@ -3448,14 +3328,14 @@
               <a:defRPr sz="1100" b="1"/>
             </a:pPr>
             <a:r>
-              <a:t>Gorra de 5 paneles con frente fusionado y parte posterior en malla, visera indeformable 4 costuras, botón forrado, tafilete textil y cierre plástico.</a:t>
-            </a:r>
-          </a:p>
-        </p:txBody>
-      </p:sp>
-      <p:sp>
-        <p:nvSpPr>
-          <p:cNvPr id="14" name="TextBox 13"/>
+              <a:t>AGENDA DIARIA TERRA (Agenda con 186 hojas. Contiene calendarios 2021-2023, calendario 2022, planeador 2022, planificador semanal, planificador de proyecto, agenda diaria. Incluye caja individual.)</a:t>
+            </a:r>
+          </a:p>
+        </p:txBody>
+      </p:sp>
+      <p:sp>
+        <p:nvSpPr>
+          <p:cNvPr id="9" name="TextBox 8"/>
           <p:cNvSpPr txBox="1"/>
           <p:nvPr/>
         </p:nvSpPr>
@@ -3470,802 +3350,186 @@
           <a:noFill/>
         </p:spPr>
         <p:txBody>
-          <a:bodyPr wrap="none">
+          <a:bodyPr wrap="square">
             <a:spAutoFit/>
           </a:bodyPr>
           <a:lstStyle/>
-          <a:p>
-            <a:r>
-              <a:t>MATERIAL: Poliéster + Malla Nylon.</a:t>
-            </a:r>
-            <a:r>
-              <a:t>MEDIDAS: Circunferencia 55cm. Visera 18 x 12 cm.</a:t>
-            </a:r>
-            <a:r>
-              <a:t>ÁREA DE IMPRESIÓN APROXIMADA: Bordado: 5 x 5,5 cm. Sublimación: 13 x 8 cm.</a:t>
-            </a:r>
-            <a:r>
-              <a:t>MARCA: SE SUGIERE: Bordado. Sublimación en gorras con frente blanco.</a:t>
-            </a:r>
-            <a:r>
-              <a:t>EMPAQUE: 200 Unidades en caja máster de: 45 cm x 38 cm x 80 cm; Peso Bruto: 13,7 Kg; Peso Neto: 12 Kg</a:t>
-            </a:r>
-            <a:r>
-              <a:t>INVENTARIO: 108.018 unidades</a:t>
-            </a:r>
-          </a:p>
+          <a:p/>
           <a:p>
             <a:pPr>
               <a:spcBef>
                 <a:spcPts val="0"/>
               </a:spcBef>
-              <a:defRPr sz="1100" b="1"/>
+              <a:defRPr sz="1100" b="0"/>
             </a:pPr>
-          </a:p>
-        </p:txBody>
-      </p:sp>
-      <p:graphicFrame>
-        <p:nvGraphicFramePr>
-          <p:cNvPr id="15" name="Table 14"/>
-          <p:cNvGraphicFramePr>
-            <a:graphicFrameLocks noGrp="1"/>
-          </p:cNvGraphicFramePr>
-          <p:nvPr/>
-        </p:nvGraphicFramePr>
-        <p:xfrm>
-          <a:off x="288000" y="5400000"/>
-          <a:ext cx="2160000" cy="3240000"/>
-        </p:xfrm>
-        <a:graphic>
-          <a:graphicData uri="http://schemas.openxmlformats.org/drawingml/2006/table">
-            <a:tbl>
-              <a:tblPr>
-                <a:tableStyleId>{5C22544A-7EE6-4342-B048-85BDC9FD1C3A}</a:tableStyleId>
-              </a:tblPr>
-              <a:tblGrid>
-                <a:gridCol w="1368000"/>
-                <a:gridCol w="792000"/>
-              </a:tblGrid>
-              <a:tr h="180000">
-                <a:tc>
-                  <a:txBody>
-                    <a:bodyPr/>
-                    <a:lstStyle/>
-                    <a:p>
-                      <a:pPr>
-                        <a:defRPr sz="900"/>
-                      </a:pPr>
-                      <a:r>
-                        <a:t>Color</a:t>
-                      </a:r>
-                    </a:p>
-                  </a:txBody>
-                  <a:tcPr/>
-                </a:tc>
-                <a:tc>
-                  <a:txBody>
-                    <a:bodyPr/>
-                    <a:lstStyle/>
-                    <a:p>
-                      <a:pPr>
-                        <a:defRPr sz="900"/>
-                      </a:pPr>
-                      <a:r>
-                        <a:t>Inventario</a:t>
-                      </a:r>
-                    </a:p>
-                  </a:txBody>
-                  <a:tcPr/>
-                </a:tc>
-              </a:tr>
-              <a:tr h="180000">
-                <a:tc>
-                  <a:txBody>
-                    <a:bodyPr/>
-                    <a:lstStyle/>
-                    <a:p>
-                      <a:pPr>
-                        <a:defRPr sz="900"/>
-                      </a:pPr>
-                      <a:r>
-                        <a:t>Blanco / Azul Neón</a:t>
-                      </a:r>
-                    </a:p>
-                  </a:txBody>
-                  <a:tcPr>
-                    <a:solidFill>
-                      <a:srgbClr val="FFFFFF"/>
-                    </a:solidFill>
-                  </a:tcPr>
-                </a:tc>
-                <a:tc>
-                  <a:txBody>
-                    <a:bodyPr/>
-                    <a:lstStyle/>
-                    <a:p>
-                      <a:pPr>
-                        <a:defRPr sz="900"/>
-                      </a:pPr>
-                      <a:r>
-                        <a:t>545</a:t>
-                      </a:r>
-                    </a:p>
-                  </a:txBody>
-                  <a:tcPr>
-                    <a:solidFill>
-                      <a:srgbClr val="FFFFFF"/>
-                    </a:solidFill>
-                  </a:tcPr>
-                </a:tc>
-              </a:tr>
-              <a:tr h="180000">
-                <a:tc>
-                  <a:txBody>
-                    <a:bodyPr/>
-                    <a:lstStyle/>
-                    <a:p>
-                      <a:pPr>
-                        <a:defRPr sz="900"/>
-                      </a:pPr>
-                      <a:r>
-                        <a:t>Naranja Neón / Blanco</a:t>
-                      </a:r>
-                    </a:p>
-                  </a:txBody>
-                  <a:tcPr>
-                    <a:solidFill>
-                      <a:srgbClr val="FFFFFF"/>
-                    </a:solidFill>
-                  </a:tcPr>
-                </a:tc>
-                <a:tc>
-                  <a:txBody>
-                    <a:bodyPr/>
-                    <a:lstStyle/>
-                    <a:p>
-                      <a:pPr>
-                        <a:defRPr sz="900"/>
-                      </a:pPr>
-                      <a:r>
-                        <a:t>5747</a:t>
-                      </a:r>
-                    </a:p>
-                  </a:txBody>
-                  <a:tcPr>
-                    <a:solidFill>
-                      <a:srgbClr val="FFFFFF"/>
-                    </a:solidFill>
-                  </a:tcPr>
-                </a:tc>
-              </a:tr>
-              <a:tr h="180000">
-                <a:tc>
-                  <a:txBody>
-                    <a:bodyPr/>
-                    <a:lstStyle/>
-                    <a:p>
-                      <a:pPr>
-                        <a:defRPr sz="900"/>
-                      </a:pPr>
-                      <a:r>
-                        <a:t>Blanco / Rosado Neón</a:t>
-                      </a:r>
-                    </a:p>
-                  </a:txBody>
-                  <a:tcPr>
-                    <a:solidFill>
-                      <a:srgbClr val="FFFFFF"/>
-                    </a:solidFill>
-                  </a:tcPr>
-                </a:tc>
-                <a:tc>
-                  <a:txBody>
-                    <a:bodyPr/>
-                    <a:lstStyle/>
-                    <a:p>
-                      <a:pPr>
-                        <a:defRPr sz="900"/>
-                      </a:pPr>
-                      <a:r>
-                        <a:t>3398</a:t>
-                      </a:r>
-                    </a:p>
-                  </a:txBody>
-                  <a:tcPr>
-                    <a:solidFill>
-                      <a:srgbClr val="FFFFFF"/>
-                    </a:solidFill>
-                  </a:tcPr>
-                </a:tc>
-              </a:tr>
-              <a:tr h="180000">
-                <a:tc>
-                  <a:txBody>
-                    <a:bodyPr/>
-                    <a:lstStyle/>
-                    <a:p>
-                      <a:pPr>
-                        <a:defRPr sz="900"/>
-                      </a:pPr>
-                      <a:r>
-                        <a:t>Blanco / Verde Neón</a:t>
-                      </a:r>
-                    </a:p>
-                  </a:txBody>
-                  <a:tcPr>
-                    <a:solidFill>
-                      <a:srgbClr val="FFFFFF"/>
-                    </a:solidFill>
-                  </a:tcPr>
-                </a:tc>
-                <a:tc>
-                  <a:txBody>
-                    <a:bodyPr/>
-                    <a:lstStyle/>
-                    <a:p>
-                      <a:pPr>
-                        <a:defRPr sz="900"/>
-                      </a:pPr>
-                      <a:r>
-                        <a:t>4548</a:t>
-                      </a:r>
-                    </a:p>
-                  </a:txBody>
-                  <a:tcPr>
-                    <a:solidFill>
-                      <a:srgbClr val="FFFFFF"/>
-                    </a:solidFill>
-                  </a:tcPr>
-                </a:tc>
-              </a:tr>
-              <a:tr h="180000">
-                <a:tc>
-                  <a:txBody>
-                    <a:bodyPr/>
-                    <a:lstStyle/>
-                    <a:p>
-                      <a:pPr>
-                        <a:defRPr sz="900"/>
-                      </a:pPr>
-                      <a:r>
-                        <a:t>Blanco / Azul Oscuro</a:t>
-                      </a:r>
-                    </a:p>
-                  </a:txBody>
-                  <a:tcPr>
-                    <a:solidFill>
-                      <a:srgbClr val="FFFFFF"/>
-                    </a:solidFill>
-                  </a:tcPr>
-                </a:tc>
-                <a:tc>
-                  <a:txBody>
-                    <a:bodyPr/>
-                    <a:lstStyle/>
-                    <a:p>
-                      <a:pPr>
-                        <a:defRPr sz="900"/>
-                      </a:pPr>
-                      <a:r>
-                        <a:t>13406</a:t>
-                      </a:r>
-                    </a:p>
-                  </a:txBody>
-                  <a:tcPr>
-                    <a:solidFill>
-                      <a:srgbClr val="FFFFFF"/>
-                    </a:solidFill>
-                  </a:tcPr>
-                </a:tc>
-              </a:tr>
-              <a:tr h="180000">
-                <a:tc>
-                  <a:txBody>
-                    <a:bodyPr/>
-                    <a:lstStyle/>
-                    <a:p>
-                      <a:pPr>
-                        <a:defRPr sz="900"/>
-                      </a:pPr>
-                      <a:r>
-                        <a:t>Blanco / Azul Rey</a:t>
-                      </a:r>
-                    </a:p>
-                  </a:txBody>
-                  <a:tcPr>
-                    <a:solidFill>
-                      <a:srgbClr val="FFFFFF"/>
-                    </a:solidFill>
-                  </a:tcPr>
-                </a:tc>
-                <a:tc>
-                  <a:txBody>
-                    <a:bodyPr/>
-                    <a:lstStyle/>
-                    <a:p>
-                      <a:pPr>
-                        <a:defRPr sz="900"/>
-                      </a:pPr>
-                      <a:r>
-                        <a:t>9965</a:t>
-                      </a:r>
-                    </a:p>
-                  </a:txBody>
-                  <a:tcPr>
-                    <a:solidFill>
-                      <a:srgbClr val="FFFFFF"/>
-                    </a:solidFill>
-                  </a:tcPr>
-                </a:tc>
-              </a:tr>
-              <a:tr h="180000">
-                <a:tc>
-                  <a:txBody>
-                    <a:bodyPr/>
-                    <a:lstStyle/>
-                    <a:p>
-                      <a:pPr>
-                        <a:defRPr sz="900"/>
-                      </a:pPr>
-                      <a:r>
-                        <a:t>Blanco / Naranja</a:t>
-                      </a:r>
-                    </a:p>
-                  </a:txBody>
-                  <a:tcPr>
-                    <a:solidFill>
-                      <a:srgbClr val="FFFFFF"/>
-                    </a:solidFill>
-                  </a:tcPr>
-                </a:tc>
-                <a:tc>
-                  <a:txBody>
-                    <a:bodyPr/>
-                    <a:lstStyle/>
-                    <a:p>
-                      <a:pPr>
-                        <a:defRPr sz="900"/>
-                      </a:pPr>
-                      <a:r>
-                        <a:t>1420</a:t>
-                      </a:r>
-                    </a:p>
-                  </a:txBody>
-                  <a:tcPr>
-                    <a:solidFill>
-                      <a:srgbClr val="FFFFFF"/>
-                    </a:solidFill>
-                  </a:tcPr>
-                </a:tc>
-              </a:tr>
-              <a:tr h="180000">
-                <a:tc>
-                  <a:txBody>
-                    <a:bodyPr/>
-                    <a:lstStyle/>
-                    <a:p>
-                      <a:pPr>
-                        <a:defRPr sz="900"/>
-                      </a:pPr>
-                      <a:r>
-                        <a:t>Blanco / Negro</a:t>
-                      </a:r>
-                    </a:p>
-                  </a:txBody>
-                  <a:tcPr>
-                    <a:solidFill>
-                      <a:srgbClr val="FFFFFF"/>
-                    </a:solidFill>
-                  </a:tcPr>
-                </a:tc>
-                <a:tc>
-                  <a:txBody>
-                    <a:bodyPr/>
-                    <a:lstStyle/>
-                    <a:p>
-                      <a:pPr>
-                        <a:defRPr sz="900"/>
-                      </a:pPr>
-                      <a:r>
-                        <a:t>11398</a:t>
-                      </a:r>
-                    </a:p>
-                  </a:txBody>
-                  <a:tcPr>
-                    <a:solidFill>
-                      <a:srgbClr val="FFFFFF"/>
-                    </a:solidFill>
-                  </a:tcPr>
-                </a:tc>
-              </a:tr>
-              <a:tr h="180000">
-                <a:tc>
-                  <a:txBody>
-                    <a:bodyPr/>
-                    <a:lstStyle/>
-                    <a:p>
-                      <a:pPr>
-                        <a:defRPr sz="900"/>
-                      </a:pPr>
-                      <a:r>
-                        <a:t>Blanco / Rojo</a:t>
-                      </a:r>
-                    </a:p>
-                  </a:txBody>
-                  <a:tcPr>
-                    <a:solidFill>
-                      <a:srgbClr val="FFFFFF"/>
-                    </a:solidFill>
-                  </a:tcPr>
-                </a:tc>
-                <a:tc>
-                  <a:txBody>
-                    <a:bodyPr/>
-                    <a:lstStyle/>
-                    <a:p>
-                      <a:pPr>
-                        <a:defRPr sz="900"/>
-                      </a:pPr>
-                      <a:r>
-                        <a:t>13</a:t>
-                      </a:r>
-                    </a:p>
-                  </a:txBody>
-                  <a:tcPr>
-                    <a:solidFill>
-                      <a:srgbClr val="FFFFFF"/>
-                    </a:solidFill>
-                  </a:tcPr>
-                </a:tc>
-              </a:tr>
-              <a:tr h="180000">
-                <a:tc>
-                  <a:txBody>
-                    <a:bodyPr/>
-                    <a:lstStyle/>
-                    <a:p>
-                      <a:pPr>
-                        <a:defRPr sz="900"/>
-                      </a:pPr>
-                      <a:r>
-                        <a:t>Blanco / Verde</a:t>
-                      </a:r>
-                    </a:p>
-                  </a:txBody>
-                  <a:tcPr>
-                    <a:solidFill>
-                      <a:srgbClr val="FFFFFF"/>
-                    </a:solidFill>
-                  </a:tcPr>
-                </a:tc>
-                <a:tc>
-                  <a:txBody>
-                    <a:bodyPr/>
-                    <a:lstStyle/>
-                    <a:p>
-                      <a:pPr>
-                        <a:defRPr sz="900"/>
-                      </a:pPr>
-                      <a:r>
-                        <a:t>6035</a:t>
-                      </a:r>
-                    </a:p>
-                  </a:txBody>
-                  <a:tcPr>
-                    <a:solidFill>
-                      <a:srgbClr val="FFFFFF"/>
-                    </a:solidFill>
-                  </a:tcPr>
-                </a:tc>
-              </a:tr>
-              <a:tr h="180000">
-                <a:tc>
-                  <a:txBody>
-                    <a:bodyPr/>
-                    <a:lstStyle/>
-                    <a:p>
-                      <a:pPr>
-                        <a:defRPr sz="900"/>
-                      </a:pPr>
-                      <a:r>
-                        <a:t>Amarillo</a:t>
-                      </a:r>
-                    </a:p>
-                  </a:txBody>
-                  <a:tcPr>
-                    <a:solidFill>
-                      <a:srgbClr val="FFFFFF"/>
-                    </a:solidFill>
-                  </a:tcPr>
-                </a:tc>
-                <a:tc>
-                  <a:txBody>
-                    <a:bodyPr/>
-                    <a:lstStyle/>
-                    <a:p>
-                      <a:pPr>
-                        <a:defRPr sz="900"/>
-                      </a:pPr>
-                      <a:r>
-                        <a:t>50</a:t>
-                      </a:r>
-                    </a:p>
-                  </a:txBody>
-                  <a:tcPr>
-                    <a:solidFill>
-                      <a:srgbClr val="FFFFFF"/>
-                    </a:solidFill>
-                  </a:tcPr>
-                </a:tc>
-              </a:tr>
-              <a:tr h="180000">
-                <a:tc>
-                  <a:txBody>
-                    <a:bodyPr/>
-                    <a:lstStyle/>
-                    <a:p>
-                      <a:pPr>
-                        <a:defRPr sz="900"/>
-                      </a:pPr>
-                      <a:r>
-                        <a:t>Azul Rey</a:t>
-                      </a:r>
-                    </a:p>
-                  </a:txBody>
-                  <a:tcPr>
-                    <a:solidFill>
-                      <a:srgbClr val="FFFFFF"/>
-                    </a:solidFill>
-                  </a:tcPr>
-                </a:tc>
-                <a:tc>
-                  <a:txBody>
-                    <a:bodyPr/>
-                    <a:lstStyle/>
-                    <a:p>
-                      <a:pPr>
-                        <a:defRPr sz="900"/>
-                      </a:pPr>
-                      <a:r>
-                        <a:t>18596</a:t>
-                      </a:r>
-                    </a:p>
-                  </a:txBody>
-                  <a:tcPr>
-                    <a:solidFill>
-                      <a:srgbClr val="FFFFFF"/>
-                    </a:solidFill>
-                  </a:tcPr>
-                </a:tc>
-              </a:tr>
-              <a:tr h="180000">
-                <a:tc>
-                  <a:txBody>
-                    <a:bodyPr/>
-                    <a:lstStyle/>
-                    <a:p>
-                      <a:pPr>
-                        <a:defRPr sz="900"/>
-                      </a:pPr>
-                      <a:r>
-                        <a:t>Negro</a:t>
-                      </a:r>
-                    </a:p>
-                  </a:txBody>
-                  <a:tcPr>
-                    <a:solidFill>
-                      <a:srgbClr val="FFFFFF"/>
-                    </a:solidFill>
-                  </a:tcPr>
-                </a:tc>
-                <a:tc>
-                  <a:txBody>
-                    <a:bodyPr/>
-                    <a:lstStyle/>
-                    <a:p>
-                      <a:pPr>
-                        <a:defRPr sz="900"/>
-                      </a:pPr>
-                      <a:r>
-                        <a:t>1</a:t>
-                      </a:r>
-                    </a:p>
-                  </a:txBody>
-                  <a:tcPr>
-                    <a:solidFill>
-                      <a:srgbClr val="FFFFFF"/>
-                    </a:solidFill>
-                  </a:tcPr>
-                </a:tc>
-              </a:tr>
-              <a:tr h="180000">
-                <a:tc>
-                  <a:txBody>
-                    <a:bodyPr/>
-                    <a:lstStyle/>
-                    <a:p>
-                      <a:pPr>
-                        <a:defRPr sz="900"/>
-                      </a:pPr>
-                      <a:r>
-                        <a:t>Rojo</a:t>
-                      </a:r>
-                    </a:p>
-                  </a:txBody>
-                  <a:tcPr>
-                    <a:solidFill>
-                      <a:srgbClr val="FFFFFF"/>
-                    </a:solidFill>
-                  </a:tcPr>
-                </a:tc>
-                <a:tc>
-                  <a:txBody>
-                    <a:bodyPr/>
-                    <a:lstStyle/>
-                    <a:p>
-                      <a:pPr>
-                        <a:defRPr sz="900"/>
-                      </a:pPr>
-                      <a:r>
-                        <a:t>18975</a:t>
-                      </a:r>
-                    </a:p>
-                  </a:txBody>
-                  <a:tcPr>
-                    <a:solidFill>
-                      <a:srgbClr val="FFFFFF"/>
-                    </a:solidFill>
-                  </a:tcPr>
-                </a:tc>
-              </a:tr>
-              <a:tr h="180000">
-                <a:tc>
-                  <a:txBody>
-                    <a:bodyPr/>
-                    <a:lstStyle/>
-                    <a:p>
-                      <a:pPr>
-                        <a:defRPr sz="900"/>
-                      </a:pPr>
-                      <a:r>
-                        <a:t>Verde</a:t>
-                      </a:r>
-                    </a:p>
-                  </a:txBody>
-                  <a:tcPr>
-                    <a:solidFill>
-                      <a:srgbClr val="FFFFFF"/>
-                    </a:solidFill>
-                  </a:tcPr>
-                </a:tc>
-                <a:tc>
-                  <a:txBody>
-                    <a:bodyPr/>
-                    <a:lstStyle/>
-                    <a:p>
-                      <a:pPr>
-                        <a:defRPr sz="900"/>
-                      </a:pPr>
-                      <a:r>
-                        <a:t>5363</a:t>
-                      </a:r>
-                    </a:p>
-                  </a:txBody>
-                  <a:tcPr>
-                    <a:solidFill>
-                      <a:srgbClr val="FFFFFF"/>
-                    </a:solidFill>
-                  </a:tcPr>
-                </a:tc>
-              </a:tr>
-              <a:tr h="180000">
-                <a:tc>
-                  <a:txBody>
-                    <a:bodyPr/>
-                    <a:lstStyle/>
-                    <a:p>
-                      <a:pPr>
-                        <a:defRPr sz="900"/>
-                      </a:pPr>
-                      <a:r>
-                        <a:t>Azul Oscuro</a:t>
-                      </a:r>
-                    </a:p>
-                  </a:txBody>
-                  <a:tcPr>
-                    <a:solidFill>
-                      <a:srgbClr val="FFFFFF"/>
-                    </a:solidFill>
-                  </a:tcPr>
-                </a:tc>
-                <a:tc>
-                  <a:txBody>
-                    <a:bodyPr/>
-                    <a:lstStyle/>
-                    <a:p>
-                      <a:pPr>
-                        <a:defRPr sz="900"/>
-                      </a:pPr>
-                      <a:r>
-                        <a:t>12</a:t>
-                      </a:r>
-                    </a:p>
-                  </a:txBody>
-                  <a:tcPr>
-                    <a:solidFill>
-                      <a:srgbClr val="FFFFFF"/>
-                    </a:solidFill>
-                  </a:tcPr>
-                </a:tc>
-              </a:tr>
-              <a:tr h="180000">
-                <a:tc>
-                  <a:txBody>
-                    <a:bodyPr/>
-                    <a:lstStyle/>
-                    <a:p>
-                      <a:pPr>
-                        <a:defRPr sz="900"/>
-                      </a:pPr>
-                      <a:r>
-                        <a:t>Naranja</a:t>
-                      </a:r>
-                    </a:p>
-                  </a:txBody>
-                  <a:tcPr>
-                    <a:solidFill>
-                      <a:srgbClr val="FFFFFF"/>
-                    </a:solidFill>
-                  </a:tcPr>
-                </a:tc>
-                <a:tc>
-                  <a:txBody>
-                    <a:bodyPr/>
-                    <a:lstStyle/>
-                    <a:p>
-                      <a:pPr>
-                        <a:defRPr sz="900"/>
-                      </a:pPr>
-                      <a:r>
-                        <a:t>8546</a:t>
-                      </a:r>
-                    </a:p>
-                  </a:txBody>
-                  <a:tcPr>
-                    <a:solidFill>
-                      <a:srgbClr val="FFFFFF"/>
-                    </a:solidFill>
-                  </a:tcPr>
-                </a:tc>
-              </a:tr>
-            </a:tbl>
-          </a:graphicData>
-        </a:graphic>
-      </p:graphicFrame>
-      <p:pic>
-        <p:nvPicPr>
-          <p:cNvPr id="16" name="Picture 15" descr="sample_image.jpg"/>
-          <p:cNvPicPr>
-            <a:picLocks noChangeAspect="1"/>
-          </p:cNvPicPr>
-          <p:nvPr/>
-        </p:nvPicPr>
-        <p:blipFill>
-          <a:blip r:embed="rId3"/>
-          <a:stretch>
-            <a:fillRect/>
-          </a:stretch>
-        </p:blipFill>
-        <p:spPr>
-          <a:xfrm>
-            <a:off x="3060000" y="5400000"/>
-            <a:ext cx="3564000" cy="2556000"/>
-          </a:xfrm>
-          <a:prstGeom prst="rect">
-            <a:avLst/>
-          </a:prstGeom>
-        </p:spPr>
-      </p:pic>
+            <a:r>
+              <a:t>INFORMACIÓN BASICA</a:t>
+            </a:r>
+          </a:p>
+          <a:p>
+            <a:pPr>
+              <a:spcBef>
+                <a:spcPts val="0"/>
+              </a:spcBef>
+              <a:defRPr sz="1100" b="0"/>
+            </a:pPr>
+            <a:r>
+              <a:t>CATEGORÍA: AGENDAS</a:t>
+            </a:r>
+          </a:p>
+          <a:p>
+            <a:pPr>
+              <a:spcBef>
+                <a:spcPts val="0"/>
+              </a:spcBef>
+              <a:defRPr sz="1100" b="0"/>
+            </a:pPr>
+            <a:r>
+              <a:t>MATERIAL: Curpiel</a:t>
+            </a:r>
+          </a:p>
+          <a:p>
+            <a:pPr>
+              <a:spcBef>
+                <a:spcPts val="0"/>
+              </a:spcBef>
+              <a:defRPr sz="1100" b="0"/>
+            </a:pPr>
+            <a:r>
+              <a:t>TAMAÑO: 14 x 21 cm</a:t>
+            </a:r>
+          </a:p>
+          <a:p>
+            <a:pPr>
+              <a:spcBef>
+                <a:spcPts val="0"/>
+              </a:spcBef>
+              <a:defRPr sz="1100" b="0"/>
+            </a:pPr>
+          </a:p>
+          <a:p>
+            <a:pPr>
+              <a:spcBef>
+                <a:spcPts val="0"/>
+              </a:spcBef>
+              <a:defRPr sz="1100" b="0"/>
+            </a:pPr>
+            <a:r>
+              <a:t>COLORES: AR/P/R</a:t>
+            </a:r>
+          </a:p>
+          <a:p>
+            <a:pPr>
+              <a:spcBef>
+                <a:spcPts val="0"/>
+              </a:spcBef>
+              <a:defRPr sz="1100" b="0"/>
+            </a:pPr>
+            <a:r>
+              <a:t>CAPACIDAD:</a:t>
+            </a:r>
+          </a:p>
+          <a:p>
+            <a:pPr>
+              <a:spcBef>
+                <a:spcPts val="0"/>
+              </a:spcBef>
+              <a:defRPr sz="1100" b="0"/>
+            </a:pPr>
+            <a:r>
+              <a:t>COLOR DE TINTA:</a:t>
+            </a:r>
+          </a:p>
+          <a:p>
+            <a:pPr>
+              <a:spcBef>
+                <a:spcPts val="0"/>
+              </a:spcBef>
+              <a:defRPr sz="1100" b="0"/>
+            </a:pPr>
+            <a:r>
+              <a:t>INFORMACIÓN DE IMPRESIÓN</a:t>
+            </a:r>
+          </a:p>
+          <a:p>
+            <a:pPr>
+              <a:spcBef>
+                <a:spcPts val="0"/>
+              </a:spcBef>
+              <a:defRPr sz="1100" b="0"/>
+            </a:pPr>
+            <a:r>
+              <a:t>TÉCNICA: Láser / Serigrafía / Termograbado</a:t>
+            </a:r>
+          </a:p>
+          <a:p>
+            <a:pPr>
+              <a:spcBef>
+                <a:spcPts val="0"/>
+              </a:spcBef>
+              <a:defRPr sz="1100" b="0"/>
+            </a:pPr>
+            <a:r>
+              <a:t>AREA: 9 x 16 cm</a:t>
+            </a:r>
+          </a:p>
+          <a:p>
+            <a:pPr>
+              <a:spcBef>
+                <a:spcPts val="0"/>
+              </a:spcBef>
+              <a:defRPr sz="1100" b="0"/>
+            </a:pPr>
+            <a:r>
+              <a:t>INFORMACIÓN DE EMPAQUE</a:t>
+            </a:r>
+          </a:p>
+          <a:p>
+            <a:pPr>
+              <a:spcBef>
+                <a:spcPts val="0"/>
+              </a:spcBef>
+              <a:defRPr sz="1100" b="0"/>
+            </a:pPr>
+            <a:r>
+              <a:t>MEDIDA: 47 x 38 x 33 cm.</a:t>
+            </a:r>
+          </a:p>
+          <a:p>
+            <a:pPr>
+              <a:spcBef>
+                <a:spcPts val="0"/>
+              </a:spcBef>
+              <a:defRPr sz="1100" b="0"/>
+            </a:pPr>
+            <a:r>
+              <a:t>PESO: 26.30 kgs.</a:t>
+            </a:r>
+          </a:p>
+          <a:p>
+            <a:pPr>
+              <a:spcBef>
+                <a:spcPts val="0"/>
+              </a:spcBef>
+              <a:defRPr sz="1100" b="0"/>
+            </a:pPr>
+            <a:r>
+              <a:t>CANTIDAD: 48 pza(s).</a:t>
+            </a:r>
+          </a:p>
+          <a:p>
+            <a:pPr>
+              <a:spcBef>
+                <a:spcPts val="0"/>
+              </a:spcBef>
+              <a:defRPr sz="1100" b="0"/>
+            </a:pPr>
+            <a:r>
+              <a:t>INDIVIDUAL BOX: Si</a:t>
+            </a:r>
+          </a:p>
+        </p:txBody>
+      </p:sp>
     </p:spTree>
   </p:cSld>
   <p:clrMapOvr>
